--- a/Лаунчер для танков.pptx
+++ b/Лаунчер для танков.pptx
@@ -170,7 +170,7 @@
           <a:p>
             <a:fld id="{B4C71EC6-210F-42DE-9C53-41977AD35B3D}" type="datetimeFigureOut">
               <a:rPr lang="ru-RU" smtClean="0"/>
-              <a:t>10.04.2023</a:t>
+              <a:t>21.04.2023</a:t>
             </a:fld>
             <a:endParaRPr lang="ru-RU"/>
           </a:p>
@@ -486,7 +486,7 @@
           <a:p>
             <a:fld id="{B4C71EC6-210F-42DE-9C53-41977AD35B3D}" type="datetimeFigureOut">
               <a:rPr lang="ru-RU" smtClean="0"/>
-              <a:t>10.04.2023</a:t>
+              <a:t>21.04.2023</a:t>
             </a:fld>
             <a:endParaRPr lang="ru-RU"/>
           </a:p>
@@ -661,7 +661,7 @@
           <a:p>
             <a:fld id="{B4C71EC6-210F-42DE-9C53-41977AD35B3D}" type="datetimeFigureOut">
               <a:rPr lang="ru-RU" smtClean="0"/>
-              <a:t>10.04.2023</a:t>
+              <a:t>21.04.2023</a:t>
             </a:fld>
             <a:endParaRPr lang="ru-RU"/>
           </a:p>
@@ -779,7 +779,7 @@
           <a:p>
             <a:fld id="{B4C71EC6-210F-42DE-9C53-41977AD35B3D}" type="datetimeFigureOut">
               <a:rPr lang="ru-RU" smtClean="0"/>
-              <a:t>10.04.2023</a:t>
+              <a:t>21.04.2023</a:t>
             </a:fld>
             <a:endParaRPr lang="ru-RU"/>
           </a:p>
@@ -1077,7 +1077,7 @@
           <a:p>
             <a:fld id="{B4C71EC6-210F-42DE-9C53-41977AD35B3D}" type="datetimeFigureOut">
               <a:rPr lang="ru-RU" smtClean="0"/>
-              <a:t>10.04.2023</a:t>
+              <a:t>21.04.2023</a:t>
             </a:fld>
             <a:endParaRPr lang="ru-RU"/>
           </a:p>
@@ -1370,7 +1370,7 @@
           <a:p>
             <a:fld id="{B4C71EC6-210F-42DE-9C53-41977AD35B3D}" type="datetimeFigureOut">
               <a:rPr lang="ru-RU" smtClean="0"/>
-              <a:t>10.04.2023</a:t>
+              <a:t>21.04.2023</a:t>
             </a:fld>
             <a:endParaRPr lang="ru-RU"/>
           </a:p>
@@ -1798,7 +1798,7 @@
           <a:p>
             <a:fld id="{B4C71EC6-210F-42DE-9C53-41977AD35B3D}" type="datetimeFigureOut">
               <a:rPr lang="ru-RU" smtClean="0"/>
-              <a:t>10.04.2023</a:t>
+              <a:t>21.04.2023</a:t>
             </a:fld>
             <a:endParaRPr lang="ru-RU"/>
           </a:p>
@@ -1916,7 +1916,7 @@
           <a:p>
             <a:fld id="{B4C71EC6-210F-42DE-9C53-41977AD35B3D}" type="datetimeFigureOut">
               <a:rPr lang="ru-RU" smtClean="0"/>
-              <a:t>10.04.2023</a:t>
+              <a:t>21.04.2023</a:t>
             </a:fld>
             <a:endParaRPr lang="ru-RU"/>
           </a:p>
@@ -2006,7 +2006,7 @@
           <a:p>
             <a:fld id="{B4C71EC6-210F-42DE-9C53-41977AD35B3D}" type="datetimeFigureOut">
               <a:rPr lang="ru-RU" smtClean="0"/>
-              <a:t>10.04.2023</a:t>
+              <a:t>21.04.2023</a:t>
             </a:fld>
             <a:endParaRPr lang="ru-RU"/>
           </a:p>
@@ -2256,7 +2256,7 @@
           <a:p>
             <a:fld id="{B4C71EC6-210F-42DE-9C53-41977AD35B3D}" type="datetimeFigureOut">
               <a:rPr lang="ru-RU" smtClean="0"/>
-              <a:t>10.04.2023</a:t>
+              <a:t>21.04.2023</a:t>
             </a:fld>
             <a:endParaRPr lang="ru-RU"/>
           </a:p>
@@ -2772,7 +2772,7 @@
           <a:p>
             <a:fld id="{B4C71EC6-210F-42DE-9C53-41977AD35B3D}" type="datetimeFigureOut">
               <a:rPr lang="ru-RU" smtClean="0"/>
-              <a:t>10.04.2023</a:t>
+              <a:t>21.04.2023</a:t>
             </a:fld>
             <a:endParaRPr lang="ru-RU"/>
           </a:p>
@@ -3002,7 +3002,7 @@
           <a:p>
             <a:fld id="{B4C71EC6-210F-42DE-9C53-41977AD35B3D}" type="datetimeFigureOut">
               <a:rPr lang="ru-RU" smtClean="0"/>
-              <a:t>10.04.2023</a:t>
+              <a:t>21.04.2023</a:t>
             </a:fld>
             <a:endParaRPr lang="ru-RU"/>
           </a:p>
@@ -3579,7 +3579,7 @@
         </p:blipFill>
         <p:spPr bwMode="auto">
           <a:xfrm>
-            <a:off x="1547664" y="2132856"/>
+            <a:off x="1534046" y="2132855"/>
             <a:ext cx="6588224" cy="4117639"/>
           </a:xfrm>
           <a:prstGeom prst="rect">
@@ -3651,7 +3651,7 @@
           <a:p>
             <a:r>
               <a:rPr lang="ru-RU" dirty="0" smtClean="0"/>
-              <a:t>Цели</a:t>
+              <a:t>Цель</a:t>
             </a:r>
             <a:endParaRPr lang="ru-RU" dirty="0"/>
           </a:p>
@@ -3667,12 +3667,31 @@
             <p:ph sz="quarter" idx="13"/>
           </p:nvPr>
         </p:nvSpPr>
-        <p:spPr/>
-        <p:txBody>
-          <a:bodyPr/>
-          <a:lstStyle/>
-          <a:p>
-            <a:endParaRPr lang="ru-RU"/>
+        <p:spPr>
+          <a:xfrm>
+            <a:off x="539552" y="2348880"/>
+            <a:ext cx="7924800" cy="1540768"/>
+          </a:xfrm>
+        </p:spPr>
+        <p:txBody>
+          <a:bodyPr>
+            <a:normAutofit/>
+          </a:bodyPr>
+          <a:lstStyle/>
+          <a:p>
+            <a:r>
+              <a:rPr lang="ru-RU" sz="3200" dirty="0" smtClean="0"/>
+              <a:t>Создать функциональный сайт, с помощью </a:t>
+            </a:r>
+            <a:r>
+              <a:rPr lang="en-US" sz="3200" dirty="0" smtClean="0"/>
+              <a:t>HTML, Python, CSS, </a:t>
+            </a:r>
+            <a:r>
+              <a:rPr lang="en-US" sz="3200" dirty="0" err="1" smtClean="0"/>
+              <a:t>Bootstpap</a:t>
+            </a:r>
+            <a:endParaRPr lang="ru-RU" sz="3200" dirty="0"/>
           </a:p>
         </p:txBody>
       </p:sp>
@@ -3746,12 +3765,45 @@
             <p:ph sz="quarter" idx="13"/>
           </p:nvPr>
         </p:nvSpPr>
-        <p:spPr/>
-        <p:txBody>
-          <a:bodyPr/>
-          <a:lstStyle/>
-          <a:p>
-            <a:endParaRPr lang="ru-RU"/>
+        <p:spPr>
+          <a:xfrm>
+            <a:off x="609600" y="1600200"/>
+            <a:ext cx="7924800" cy="3052936"/>
+          </a:xfrm>
+        </p:spPr>
+        <p:txBody>
+          <a:bodyPr>
+            <a:normAutofit/>
+          </a:bodyPr>
+          <a:lstStyle/>
+          <a:p>
+            <a:r>
+              <a:rPr lang="ru-RU" sz="2800" dirty="0" smtClean="0"/>
+              <a:t>Создать интернет-магазин для покупок моделек для игры</a:t>
+            </a:r>
+          </a:p>
+          <a:p>
+            <a:r>
+              <a:rPr lang="ru-RU" sz="2800" dirty="0" smtClean="0"/>
+              <a:t>Создать своё </a:t>
+            </a:r>
+            <a:r>
+              <a:rPr lang="en-US" sz="2800" dirty="0" smtClean="0"/>
+              <a:t>API</a:t>
+            </a:r>
+          </a:p>
+          <a:p>
+            <a:r>
+              <a:rPr lang="ru-RU" sz="2800" dirty="0" smtClean="0"/>
+              <a:t>Создать страницу с новостями об игре</a:t>
+            </a:r>
+          </a:p>
+          <a:p>
+            <a:r>
+              <a:rPr lang="ru-RU" sz="2800" dirty="0" smtClean="0"/>
+              <a:t>Реализовать возможность техподдержки </a:t>
+            </a:r>
+            <a:endParaRPr lang="ru-RU" sz="2800" dirty="0"/>
           </a:p>
         </p:txBody>
       </p:sp>
